--- a/Pictograms.pptx
+++ b/Pictograms.pptx
@@ -19450,12 +19450,59 @@
           <a:chExt cx="0" cy="0"/>
         </a:xfrm>
       </p:grpSpPr>
+      <p:pic>
+        <p:nvPicPr>
+          <p:cNvPr id="1026" name="Picture 2">
+            <a:extLst>
+              <a:ext uri="{FF2B5EF4-FFF2-40B4-BE49-F238E27FC236}">
+                <a16:creationId xmlns:a16="http://schemas.microsoft.com/office/drawing/2014/main" id="{9CBDDB6F-BA30-28D8-FE87-5EDB6B280A1D}"/>
+              </a:ext>
+            </a:extLst>
+          </p:cNvPr>
+          <p:cNvPicPr>
+            <a:picLocks noChangeAspect="1" noChangeArrowheads="1"/>
+          </p:cNvPicPr>
+          <p:nvPr/>
+        </p:nvPicPr>
+        <p:blipFill rotWithShape="1">
+          <a:blip r:embed="rId2">
+            <a:extLst>
+              <a:ext uri="{28A0092B-C50C-407E-A947-70E740481C1C}">
+                <a14:useLocalDpi xmlns:a14="http://schemas.microsoft.com/office/drawing/2010/main" val="0"/>
+              </a:ext>
+            </a:extLst>
+          </a:blip>
+          <a:srcRect r="46780" b="48796"/>
+          <a:stretch>
+            <a:fillRect/>
+          </a:stretch>
+        </p:blipFill>
+        <p:spPr bwMode="auto">
+          <a:xfrm>
+            <a:off x="1101725" y="850899"/>
+            <a:ext cx="8264525" cy="5516333"/>
+          </a:xfrm>
+          <a:prstGeom prst="rect">
+            <a:avLst/>
+          </a:prstGeom>
+          <a:noFill/>
+          <a:extLst>
+            <a:ext uri="{909E8E84-426E-40DD-AFC4-6F175D3DCCD1}">
+              <a14:hiddenFill xmlns:a14="http://schemas.microsoft.com/office/drawing/2010/main">
+                <a:solidFill>
+                  <a:srgbClr val="FFFFFF"/>
+                </a:solidFill>
+              </a14:hiddenFill>
+            </a:ext>
+          </a:extLst>
+        </p:spPr>
+      </p:pic>
       <p:sp>
         <p:nvSpPr>
-          <p:cNvPr id="4" name="Rectangle: Rounded Corners 3">
-            <a:extLst>
-              <a:ext uri="{FF2B5EF4-FFF2-40B4-BE49-F238E27FC236}">
-                <a16:creationId xmlns:a16="http://schemas.microsoft.com/office/drawing/2014/main" id="{DC3461C4-287C-C7FE-2939-E6B6DA5F7B95}"/>
+          <p:cNvPr id="3" name="Freeform: Shape 2">
+            <a:extLst>
+              <a:ext uri="{FF2B5EF4-FFF2-40B4-BE49-F238E27FC236}">
+                <a16:creationId xmlns:a16="http://schemas.microsoft.com/office/drawing/2014/main" id="{236DBD0F-69DF-FCD3-03BF-670B791988BB}"/>
               </a:ext>
             </a:extLst>
           </p:cNvPr>
@@ -19464,16 +19511,741 @@
         </p:nvSpPr>
         <p:spPr>
           <a:xfrm>
-            <a:off x="1308100" y="1397000"/>
-            <a:ext cx="6172200" cy="920750"/>
-          </a:xfrm>
-          <a:prstGeom prst="roundRect">
+            <a:off x="4297389" y="1946394"/>
+            <a:ext cx="1322035" cy="1629787"/>
+          </a:xfrm>
+          <a:custGeom>
+            <a:avLst/>
+            <a:gdLst>
+              <a:gd name="connsiteX0" fmla="*/ 30353 w 1326797"/>
+              <a:gd name="connsiteY0" fmla="*/ 1625939 h 1625939"/>
+              <a:gd name="connsiteX1" fmla="*/ 55406 w 1326797"/>
+              <a:gd name="connsiteY1" fmla="*/ 1118635 h 1625939"/>
+              <a:gd name="connsiteX2" fmla="*/ 537658 w 1326797"/>
+              <a:gd name="connsiteY2" fmla="*/ 1131161 h 1625939"/>
+              <a:gd name="connsiteX3" fmla="*/ 525132 w 1326797"/>
+              <a:gd name="connsiteY3" fmla="*/ 636383 h 1625939"/>
+              <a:gd name="connsiteX4" fmla="*/ 925964 w 1326797"/>
+              <a:gd name="connsiteY4" fmla="*/ 586279 h 1625939"/>
+              <a:gd name="connsiteX5" fmla="*/ 925964 w 1326797"/>
+              <a:gd name="connsiteY5" fmla="*/ 172920 h 1625939"/>
+              <a:gd name="connsiteX6" fmla="*/ 1226589 w 1326797"/>
+              <a:gd name="connsiteY6" fmla="*/ 104026 h 1625939"/>
+              <a:gd name="connsiteX7" fmla="*/ 1326797 w 1326797"/>
+              <a:gd name="connsiteY7" fmla="*/ 41396 h 1625939"/>
+              <a:gd name="connsiteX0" fmla="*/ 30353 w 1322035"/>
+              <a:gd name="connsiteY0" fmla="*/ 1664591 h 1664591"/>
+              <a:gd name="connsiteX1" fmla="*/ 55406 w 1322035"/>
+              <a:gd name="connsiteY1" fmla="*/ 1157287 h 1664591"/>
+              <a:gd name="connsiteX2" fmla="*/ 537658 w 1322035"/>
+              <a:gd name="connsiteY2" fmla="*/ 1169813 h 1664591"/>
+              <a:gd name="connsiteX3" fmla="*/ 525132 w 1322035"/>
+              <a:gd name="connsiteY3" fmla="*/ 675035 h 1664591"/>
+              <a:gd name="connsiteX4" fmla="*/ 925964 w 1322035"/>
+              <a:gd name="connsiteY4" fmla="*/ 624931 h 1664591"/>
+              <a:gd name="connsiteX5" fmla="*/ 925964 w 1322035"/>
+              <a:gd name="connsiteY5" fmla="*/ 211572 h 1664591"/>
+              <a:gd name="connsiteX6" fmla="*/ 1226589 w 1322035"/>
+              <a:gd name="connsiteY6" fmla="*/ 142678 h 1664591"/>
+              <a:gd name="connsiteX7" fmla="*/ 1322035 w 1322035"/>
+              <a:gd name="connsiteY7" fmla="*/ 34804 h 1664591"/>
+              <a:gd name="connsiteX0" fmla="*/ 30353 w 1322035"/>
+              <a:gd name="connsiteY0" fmla="*/ 1629787 h 1629787"/>
+              <a:gd name="connsiteX1" fmla="*/ 55406 w 1322035"/>
+              <a:gd name="connsiteY1" fmla="*/ 1122483 h 1629787"/>
+              <a:gd name="connsiteX2" fmla="*/ 537658 w 1322035"/>
+              <a:gd name="connsiteY2" fmla="*/ 1135009 h 1629787"/>
+              <a:gd name="connsiteX3" fmla="*/ 525132 w 1322035"/>
+              <a:gd name="connsiteY3" fmla="*/ 640231 h 1629787"/>
+              <a:gd name="connsiteX4" fmla="*/ 925964 w 1322035"/>
+              <a:gd name="connsiteY4" fmla="*/ 590127 h 1629787"/>
+              <a:gd name="connsiteX5" fmla="*/ 925964 w 1322035"/>
+              <a:gd name="connsiteY5" fmla="*/ 176768 h 1629787"/>
+              <a:gd name="connsiteX6" fmla="*/ 1226589 w 1322035"/>
+              <a:gd name="connsiteY6" fmla="*/ 107874 h 1629787"/>
+              <a:gd name="connsiteX7" fmla="*/ 1322035 w 1322035"/>
+              <a:gd name="connsiteY7" fmla="*/ 0 h 1629787"/>
+              <a:gd name="connsiteX0" fmla="*/ 30353 w 1322035"/>
+              <a:gd name="connsiteY0" fmla="*/ 1629787 h 1629787"/>
+              <a:gd name="connsiteX1" fmla="*/ 55406 w 1322035"/>
+              <a:gd name="connsiteY1" fmla="*/ 1122483 h 1629787"/>
+              <a:gd name="connsiteX2" fmla="*/ 537658 w 1322035"/>
+              <a:gd name="connsiteY2" fmla="*/ 1135009 h 1629787"/>
+              <a:gd name="connsiteX3" fmla="*/ 501319 w 1322035"/>
+              <a:gd name="connsiteY3" fmla="*/ 647375 h 1629787"/>
+              <a:gd name="connsiteX4" fmla="*/ 925964 w 1322035"/>
+              <a:gd name="connsiteY4" fmla="*/ 590127 h 1629787"/>
+              <a:gd name="connsiteX5" fmla="*/ 925964 w 1322035"/>
+              <a:gd name="connsiteY5" fmla="*/ 176768 h 1629787"/>
+              <a:gd name="connsiteX6" fmla="*/ 1226589 w 1322035"/>
+              <a:gd name="connsiteY6" fmla="*/ 107874 h 1629787"/>
+              <a:gd name="connsiteX7" fmla="*/ 1322035 w 1322035"/>
+              <a:gd name="connsiteY7" fmla="*/ 0 h 1629787"/>
+            </a:gdLst>
+            <a:ahLst/>
+            <a:cxnLst>
+              <a:cxn ang="0">
+                <a:pos x="connsiteX0" y="connsiteY0"/>
+              </a:cxn>
+              <a:cxn ang="0">
+                <a:pos x="connsiteX1" y="connsiteY1"/>
+              </a:cxn>
+              <a:cxn ang="0">
+                <a:pos x="connsiteX2" y="connsiteY2"/>
+              </a:cxn>
+              <a:cxn ang="0">
+                <a:pos x="connsiteX3" y="connsiteY3"/>
+              </a:cxn>
+              <a:cxn ang="0">
+                <a:pos x="connsiteX4" y="connsiteY4"/>
+              </a:cxn>
+              <a:cxn ang="0">
+                <a:pos x="connsiteX5" y="connsiteY5"/>
+              </a:cxn>
+              <a:cxn ang="0">
+                <a:pos x="connsiteX6" y="connsiteY6"/>
+              </a:cxn>
+              <a:cxn ang="0">
+                <a:pos x="connsiteX7" y="connsiteY7"/>
+              </a:cxn>
+            </a:cxnLst>
+            <a:rect l="l" t="t" r="r" b="b"/>
+            <a:pathLst>
+              <a:path w="1322035" h="1629787">
+                <a:moveTo>
+                  <a:pt x="30353" y="1629787"/>
+                </a:moveTo>
+                <a:cubicBezTo>
+                  <a:pt x="604" y="1417366"/>
+                  <a:pt x="-29145" y="1204946"/>
+                  <a:pt x="55406" y="1122483"/>
+                </a:cubicBezTo>
+                <a:cubicBezTo>
+                  <a:pt x="139957" y="1040020"/>
+                  <a:pt x="463339" y="1214194"/>
+                  <a:pt x="537658" y="1135009"/>
+                </a:cubicBezTo>
+                <a:cubicBezTo>
+                  <a:pt x="611977" y="1055824"/>
+                  <a:pt x="436601" y="738189"/>
+                  <a:pt x="501319" y="647375"/>
+                </a:cubicBezTo>
+                <a:cubicBezTo>
+                  <a:pt x="566037" y="556561"/>
+                  <a:pt x="855190" y="668561"/>
+                  <a:pt x="925964" y="590127"/>
+                </a:cubicBezTo>
+                <a:cubicBezTo>
+                  <a:pt x="996738" y="511693"/>
+                  <a:pt x="875860" y="257143"/>
+                  <a:pt x="925964" y="176768"/>
+                </a:cubicBezTo>
+                <a:cubicBezTo>
+                  <a:pt x="976068" y="96393"/>
+                  <a:pt x="1159784" y="129795"/>
+                  <a:pt x="1226589" y="107874"/>
+                </a:cubicBezTo>
+                <a:cubicBezTo>
+                  <a:pt x="1293395" y="85953"/>
+                  <a:pt x="1270268" y="50528"/>
+                  <a:pt x="1322035" y="0"/>
+                </a:cubicBezTo>
+              </a:path>
+            </a:pathLst>
+          </a:custGeom>
+          <a:ln w="19050" cap="flat" cmpd="sng" algn="ctr">
+            <a:solidFill>
+              <a:schemeClr val="accent4"/>
+            </a:solidFill>
+            <a:prstDash val="dash"/>
+            <a:round/>
+            <a:headEnd type="none" w="med" len="med"/>
+            <a:tailEnd type="none" w="med" len="med"/>
+          </a:ln>
+        </p:spPr>
+        <p:style>
+          <a:lnRef idx="0">
+            <a:scrgbClr r="0" g="0" b="0"/>
+          </a:lnRef>
+          <a:fillRef idx="0">
+            <a:scrgbClr r="0" g="0" b="0"/>
+          </a:fillRef>
+          <a:effectRef idx="0">
+            <a:scrgbClr r="0" g="0" b="0"/>
+          </a:effectRef>
+          <a:fontRef idx="minor">
+            <a:schemeClr val="tx1"/>
+          </a:fontRef>
+        </p:style>
+        <p:txBody>
+          <a:bodyPr rtlCol="0" anchor="ctr"/>
+          <a:lstStyle/>
+          <a:p>
+            <a:pPr algn="ctr"/>
+            <a:endParaRPr lang="en-US"/>
+          </a:p>
+        </p:txBody>
+      </p:sp>
+      <p:sp>
+        <p:nvSpPr>
+          <p:cNvPr id="5" name="Freeform: Shape 4">
+            <a:extLst>
+              <a:ext uri="{FF2B5EF4-FFF2-40B4-BE49-F238E27FC236}">
+                <a16:creationId xmlns:a16="http://schemas.microsoft.com/office/drawing/2014/main" id="{68776EAD-A8CB-DF1C-61E6-DCC64E4AC418}"/>
+              </a:ext>
+            </a:extLst>
+          </p:cNvPr>
+          <p:cNvSpPr/>
+          <p:nvPr/>
+        </p:nvSpPr>
+        <p:spPr>
+          <a:xfrm rot="19783519">
+            <a:off x="4632989" y="2330617"/>
+            <a:ext cx="1536844" cy="1325645"/>
+          </a:xfrm>
+          <a:custGeom>
+            <a:avLst/>
+            <a:gdLst>
+              <a:gd name="connsiteX0" fmla="*/ 30353 w 1326797"/>
+              <a:gd name="connsiteY0" fmla="*/ 1625939 h 1625939"/>
+              <a:gd name="connsiteX1" fmla="*/ 55406 w 1326797"/>
+              <a:gd name="connsiteY1" fmla="*/ 1118635 h 1625939"/>
+              <a:gd name="connsiteX2" fmla="*/ 537658 w 1326797"/>
+              <a:gd name="connsiteY2" fmla="*/ 1131161 h 1625939"/>
+              <a:gd name="connsiteX3" fmla="*/ 525132 w 1326797"/>
+              <a:gd name="connsiteY3" fmla="*/ 636383 h 1625939"/>
+              <a:gd name="connsiteX4" fmla="*/ 925964 w 1326797"/>
+              <a:gd name="connsiteY4" fmla="*/ 586279 h 1625939"/>
+              <a:gd name="connsiteX5" fmla="*/ 925964 w 1326797"/>
+              <a:gd name="connsiteY5" fmla="*/ 172920 h 1625939"/>
+              <a:gd name="connsiteX6" fmla="*/ 1226589 w 1326797"/>
+              <a:gd name="connsiteY6" fmla="*/ 104026 h 1625939"/>
+              <a:gd name="connsiteX7" fmla="*/ 1326797 w 1326797"/>
+              <a:gd name="connsiteY7" fmla="*/ 41396 h 1625939"/>
+              <a:gd name="connsiteX0" fmla="*/ 30353 w 1269883"/>
+              <a:gd name="connsiteY0" fmla="*/ 1608167 h 1608167"/>
+              <a:gd name="connsiteX1" fmla="*/ 55406 w 1269883"/>
+              <a:gd name="connsiteY1" fmla="*/ 1100863 h 1608167"/>
+              <a:gd name="connsiteX2" fmla="*/ 537658 w 1269883"/>
+              <a:gd name="connsiteY2" fmla="*/ 1113389 h 1608167"/>
+              <a:gd name="connsiteX3" fmla="*/ 525132 w 1269883"/>
+              <a:gd name="connsiteY3" fmla="*/ 618611 h 1608167"/>
+              <a:gd name="connsiteX4" fmla="*/ 925964 w 1269883"/>
+              <a:gd name="connsiteY4" fmla="*/ 568507 h 1608167"/>
+              <a:gd name="connsiteX5" fmla="*/ 925964 w 1269883"/>
+              <a:gd name="connsiteY5" fmla="*/ 155148 h 1608167"/>
+              <a:gd name="connsiteX6" fmla="*/ 1226589 w 1269883"/>
+              <a:gd name="connsiteY6" fmla="*/ 86254 h 1608167"/>
+              <a:gd name="connsiteX7" fmla="*/ 1269883 w 1269883"/>
+              <a:gd name="connsiteY7" fmla="*/ 45546 h 1608167"/>
+              <a:gd name="connsiteX0" fmla="*/ 30353 w 1269883"/>
+              <a:gd name="connsiteY0" fmla="*/ 1562621 h 1562621"/>
+              <a:gd name="connsiteX1" fmla="*/ 55406 w 1269883"/>
+              <a:gd name="connsiteY1" fmla="*/ 1055317 h 1562621"/>
+              <a:gd name="connsiteX2" fmla="*/ 537658 w 1269883"/>
+              <a:gd name="connsiteY2" fmla="*/ 1067843 h 1562621"/>
+              <a:gd name="connsiteX3" fmla="*/ 525132 w 1269883"/>
+              <a:gd name="connsiteY3" fmla="*/ 573065 h 1562621"/>
+              <a:gd name="connsiteX4" fmla="*/ 925964 w 1269883"/>
+              <a:gd name="connsiteY4" fmla="*/ 522961 h 1562621"/>
+              <a:gd name="connsiteX5" fmla="*/ 925964 w 1269883"/>
+              <a:gd name="connsiteY5" fmla="*/ 109602 h 1562621"/>
+              <a:gd name="connsiteX6" fmla="*/ 1226589 w 1269883"/>
+              <a:gd name="connsiteY6" fmla="*/ 40708 h 1562621"/>
+              <a:gd name="connsiteX7" fmla="*/ 1269883 w 1269883"/>
+              <a:gd name="connsiteY7" fmla="*/ 0 h 1562621"/>
+              <a:gd name="connsiteX0" fmla="*/ 30353 w 1269883"/>
+              <a:gd name="connsiteY0" fmla="*/ 1562621 h 1562621"/>
+              <a:gd name="connsiteX1" fmla="*/ 55406 w 1269883"/>
+              <a:gd name="connsiteY1" fmla="*/ 1055317 h 1562621"/>
+              <a:gd name="connsiteX2" fmla="*/ 537658 w 1269883"/>
+              <a:gd name="connsiteY2" fmla="*/ 1067843 h 1562621"/>
+              <a:gd name="connsiteX3" fmla="*/ 525132 w 1269883"/>
+              <a:gd name="connsiteY3" fmla="*/ 573065 h 1562621"/>
+              <a:gd name="connsiteX4" fmla="*/ 925964 w 1269883"/>
+              <a:gd name="connsiteY4" fmla="*/ 522961 h 1562621"/>
+              <a:gd name="connsiteX5" fmla="*/ 925964 w 1269883"/>
+              <a:gd name="connsiteY5" fmla="*/ 109602 h 1562621"/>
+              <a:gd name="connsiteX6" fmla="*/ 1157315 w 1269883"/>
+              <a:gd name="connsiteY6" fmla="*/ 121590 h 1562621"/>
+              <a:gd name="connsiteX7" fmla="*/ 1269883 w 1269883"/>
+              <a:gd name="connsiteY7" fmla="*/ 0 h 1562621"/>
+              <a:gd name="connsiteX0" fmla="*/ 30353 w 1269883"/>
+              <a:gd name="connsiteY0" fmla="*/ 1562621 h 1562621"/>
+              <a:gd name="connsiteX1" fmla="*/ 55406 w 1269883"/>
+              <a:gd name="connsiteY1" fmla="*/ 1055317 h 1562621"/>
+              <a:gd name="connsiteX2" fmla="*/ 537658 w 1269883"/>
+              <a:gd name="connsiteY2" fmla="*/ 1067843 h 1562621"/>
+              <a:gd name="connsiteX3" fmla="*/ 525132 w 1269883"/>
+              <a:gd name="connsiteY3" fmla="*/ 573065 h 1562621"/>
+              <a:gd name="connsiteX4" fmla="*/ 925964 w 1269883"/>
+              <a:gd name="connsiteY4" fmla="*/ 522961 h 1562621"/>
+              <a:gd name="connsiteX5" fmla="*/ 959026 w 1269883"/>
+              <a:gd name="connsiteY5" fmla="*/ 175775 h 1562621"/>
+              <a:gd name="connsiteX6" fmla="*/ 1157315 w 1269883"/>
+              <a:gd name="connsiteY6" fmla="*/ 121590 h 1562621"/>
+              <a:gd name="connsiteX7" fmla="*/ 1269883 w 1269883"/>
+              <a:gd name="connsiteY7" fmla="*/ 0 h 1562621"/>
+              <a:gd name="connsiteX0" fmla="*/ 2755 w 1539599"/>
+              <a:gd name="connsiteY0" fmla="*/ 1325645 h 1325645"/>
+              <a:gd name="connsiteX1" fmla="*/ 325122 w 1539599"/>
+              <a:gd name="connsiteY1" fmla="*/ 1055317 h 1325645"/>
+              <a:gd name="connsiteX2" fmla="*/ 807374 w 1539599"/>
+              <a:gd name="connsiteY2" fmla="*/ 1067843 h 1325645"/>
+              <a:gd name="connsiteX3" fmla="*/ 794848 w 1539599"/>
+              <a:gd name="connsiteY3" fmla="*/ 573065 h 1325645"/>
+              <a:gd name="connsiteX4" fmla="*/ 1195680 w 1539599"/>
+              <a:gd name="connsiteY4" fmla="*/ 522961 h 1325645"/>
+              <a:gd name="connsiteX5" fmla="*/ 1228742 w 1539599"/>
+              <a:gd name="connsiteY5" fmla="*/ 175775 h 1325645"/>
+              <a:gd name="connsiteX6" fmla="*/ 1427031 w 1539599"/>
+              <a:gd name="connsiteY6" fmla="*/ 121590 h 1325645"/>
+              <a:gd name="connsiteX7" fmla="*/ 1539599 w 1539599"/>
+              <a:gd name="connsiteY7" fmla="*/ 0 h 1325645"/>
+              <a:gd name="connsiteX0" fmla="*/ 0 w 1536844"/>
+              <a:gd name="connsiteY0" fmla="*/ 1325645 h 1325645"/>
+              <a:gd name="connsiteX1" fmla="*/ 322367 w 1536844"/>
+              <a:gd name="connsiteY1" fmla="*/ 1055317 h 1325645"/>
+              <a:gd name="connsiteX2" fmla="*/ 804619 w 1536844"/>
+              <a:gd name="connsiteY2" fmla="*/ 1067843 h 1325645"/>
+              <a:gd name="connsiteX3" fmla="*/ 792093 w 1536844"/>
+              <a:gd name="connsiteY3" fmla="*/ 573065 h 1325645"/>
+              <a:gd name="connsiteX4" fmla="*/ 1192925 w 1536844"/>
+              <a:gd name="connsiteY4" fmla="*/ 522961 h 1325645"/>
+              <a:gd name="connsiteX5" fmla="*/ 1225987 w 1536844"/>
+              <a:gd name="connsiteY5" fmla="*/ 175775 h 1325645"/>
+              <a:gd name="connsiteX6" fmla="*/ 1424276 w 1536844"/>
+              <a:gd name="connsiteY6" fmla="*/ 121590 h 1325645"/>
+              <a:gd name="connsiteX7" fmla="*/ 1536844 w 1536844"/>
+              <a:gd name="connsiteY7" fmla="*/ 0 h 1325645"/>
+              <a:gd name="connsiteX0" fmla="*/ 0 w 1536844"/>
+              <a:gd name="connsiteY0" fmla="*/ 1325645 h 1325645"/>
+              <a:gd name="connsiteX1" fmla="*/ 303024 w 1536844"/>
+              <a:gd name="connsiteY1" fmla="*/ 975092 h 1325645"/>
+              <a:gd name="connsiteX2" fmla="*/ 804619 w 1536844"/>
+              <a:gd name="connsiteY2" fmla="*/ 1067843 h 1325645"/>
+              <a:gd name="connsiteX3" fmla="*/ 792093 w 1536844"/>
+              <a:gd name="connsiteY3" fmla="*/ 573065 h 1325645"/>
+              <a:gd name="connsiteX4" fmla="*/ 1192925 w 1536844"/>
+              <a:gd name="connsiteY4" fmla="*/ 522961 h 1325645"/>
+              <a:gd name="connsiteX5" fmla="*/ 1225987 w 1536844"/>
+              <a:gd name="connsiteY5" fmla="*/ 175775 h 1325645"/>
+              <a:gd name="connsiteX6" fmla="*/ 1424276 w 1536844"/>
+              <a:gd name="connsiteY6" fmla="*/ 121590 h 1325645"/>
+              <a:gd name="connsiteX7" fmla="*/ 1536844 w 1536844"/>
+              <a:gd name="connsiteY7" fmla="*/ 0 h 1325645"/>
+              <a:gd name="connsiteX0" fmla="*/ 0 w 1536844"/>
+              <a:gd name="connsiteY0" fmla="*/ 1325645 h 1325645"/>
+              <a:gd name="connsiteX1" fmla="*/ 303024 w 1536844"/>
+              <a:gd name="connsiteY1" fmla="*/ 975092 h 1325645"/>
+              <a:gd name="connsiteX2" fmla="*/ 744982 w 1536844"/>
+              <a:gd name="connsiteY2" fmla="*/ 1033028 h 1325645"/>
+              <a:gd name="connsiteX3" fmla="*/ 792093 w 1536844"/>
+              <a:gd name="connsiteY3" fmla="*/ 573065 h 1325645"/>
+              <a:gd name="connsiteX4" fmla="*/ 1192925 w 1536844"/>
+              <a:gd name="connsiteY4" fmla="*/ 522961 h 1325645"/>
+              <a:gd name="connsiteX5" fmla="*/ 1225987 w 1536844"/>
+              <a:gd name="connsiteY5" fmla="*/ 175775 h 1325645"/>
+              <a:gd name="connsiteX6" fmla="*/ 1424276 w 1536844"/>
+              <a:gd name="connsiteY6" fmla="*/ 121590 h 1325645"/>
+              <a:gd name="connsiteX7" fmla="*/ 1536844 w 1536844"/>
+              <a:gd name="connsiteY7" fmla="*/ 0 h 1325645"/>
+            </a:gdLst>
+            <a:ahLst/>
+            <a:cxnLst>
+              <a:cxn ang="0">
+                <a:pos x="connsiteX0" y="connsiteY0"/>
+              </a:cxn>
+              <a:cxn ang="0">
+                <a:pos x="connsiteX1" y="connsiteY1"/>
+              </a:cxn>
+              <a:cxn ang="0">
+                <a:pos x="connsiteX2" y="connsiteY2"/>
+              </a:cxn>
+              <a:cxn ang="0">
+                <a:pos x="connsiteX3" y="connsiteY3"/>
+              </a:cxn>
+              <a:cxn ang="0">
+                <a:pos x="connsiteX4" y="connsiteY4"/>
+              </a:cxn>
+              <a:cxn ang="0">
+                <a:pos x="connsiteX5" y="connsiteY5"/>
+              </a:cxn>
+              <a:cxn ang="0">
+                <a:pos x="connsiteX6" y="connsiteY6"/>
+              </a:cxn>
+              <a:cxn ang="0">
+                <a:pos x="connsiteX7" y="connsiteY7"/>
+              </a:cxn>
+            </a:cxnLst>
+            <a:rect l="l" t="t" r="r" b="b"/>
+            <a:pathLst>
+              <a:path w="1536844" h="1325645">
+                <a:moveTo>
+                  <a:pt x="0" y="1325645"/>
+                </a:moveTo>
+                <a:cubicBezTo>
+                  <a:pt x="208815" y="1219400"/>
+                  <a:pt x="178860" y="1023861"/>
+                  <a:pt x="303024" y="975092"/>
+                </a:cubicBezTo>
+                <a:cubicBezTo>
+                  <a:pt x="427188" y="926323"/>
+                  <a:pt x="663471" y="1100032"/>
+                  <a:pt x="744982" y="1033028"/>
+                </a:cubicBezTo>
+                <a:cubicBezTo>
+                  <a:pt x="826493" y="966024"/>
+                  <a:pt x="717436" y="658076"/>
+                  <a:pt x="792093" y="573065"/>
+                </a:cubicBezTo>
+                <a:cubicBezTo>
+                  <a:pt x="866750" y="488054"/>
+                  <a:pt x="1120609" y="589176"/>
+                  <a:pt x="1192925" y="522961"/>
+                </a:cubicBezTo>
+                <a:cubicBezTo>
+                  <a:pt x="1265241" y="456746"/>
+                  <a:pt x="1187429" y="242670"/>
+                  <a:pt x="1225987" y="175775"/>
+                </a:cubicBezTo>
+                <a:cubicBezTo>
+                  <a:pt x="1264545" y="108880"/>
+                  <a:pt x="1357471" y="143511"/>
+                  <a:pt x="1424276" y="121590"/>
+                </a:cubicBezTo>
+                <a:cubicBezTo>
+                  <a:pt x="1491082" y="99669"/>
+                  <a:pt x="1465570" y="69281"/>
+                  <a:pt x="1536844" y="0"/>
+                </a:cubicBezTo>
+              </a:path>
+            </a:pathLst>
+          </a:custGeom>
+          <a:ln w="19050" cap="flat" cmpd="sng" algn="ctr">
+            <a:solidFill>
+              <a:schemeClr val="accent4"/>
+            </a:solidFill>
+            <a:prstDash val="dash"/>
+            <a:round/>
+            <a:headEnd type="none" w="med" len="med"/>
+            <a:tailEnd type="none" w="med" len="med"/>
+          </a:ln>
+        </p:spPr>
+        <p:style>
+          <a:lnRef idx="0">
+            <a:scrgbClr r="0" g="0" b="0"/>
+          </a:lnRef>
+          <a:fillRef idx="0">
+            <a:scrgbClr r="0" g="0" b="0"/>
+          </a:fillRef>
+          <a:effectRef idx="0">
+            <a:scrgbClr r="0" g="0" b="0"/>
+          </a:effectRef>
+          <a:fontRef idx="minor">
+            <a:schemeClr val="tx1"/>
+          </a:fontRef>
+        </p:style>
+        <p:txBody>
+          <a:bodyPr rtlCol="0" anchor="ctr"/>
+          <a:lstStyle/>
+          <a:p>
+            <a:pPr algn="ctr"/>
+            <a:endParaRPr lang="en-US"/>
+          </a:p>
+        </p:txBody>
+      </p:sp>
+      <p:sp>
+        <p:nvSpPr>
+          <p:cNvPr id="7" name="Freeform: Shape 6">
+            <a:extLst>
+              <a:ext uri="{FF2B5EF4-FFF2-40B4-BE49-F238E27FC236}">
+                <a16:creationId xmlns:a16="http://schemas.microsoft.com/office/drawing/2014/main" id="{5E9826E4-B6C4-1F26-D785-3C99200377B7}"/>
+              </a:ext>
+            </a:extLst>
+          </p:cNvPr>
+          <p:cNvSpPr/>
+          <p:nvPr/>
+        </p:nvSpPr>
+        <p:spPr>
+          <a:xfrm rot="19783519">
+            <a:off x="4032975" y="2471889"/>
+            <a:ext cx="2040075" cy="1114152"/>
+          </a:xfrm>
+          <a:custGeom>
+            <a:avLst/>
+            <a:gdLst>
+              <a:gd name="connsiteX0" fmla="*/ 30353 w 1326797"/>
+              <a:gd name="connsiteY0" fmla="*/ 1625939 h 1625939"/>
+              <a:gd name="connsiteX1" fmla="*/ 55406 w 1326797"/>
+              <a:gd name="connsiteY1" fmla="*/ 1118635 h 1625939"/>
+              <a:gd name="connsiteX2" fmla="*/ 537658 w 1326797"/>
+              <a:gd name="connsiteY2" fmla="*/ 1131161 h 1625939"/>
+              <a:gd name="connsiteX3" fmla="*/ 525132 w 1326797"/>
+              <a:gd name="connsiteY3" fmla="*/ 636383 h 1625939"/>
+              <a:gd name="connsiteX4" fmla="*/ 925964 w 1326797"/>
+              <a:gd name="connsiteY4" fmla="*/ 586279 h 1625939"/>
+              <a:gd name="connsiteX5" fmla="*/ 925964 w 1326797"/>
+              <a:gd name="connsiteY5" fmla="*/ 172920 h 1625939"/>
+              <a:gd name="connsiteX6" fmla="*/ 1226589 w 1326797"/>
+              <a:gd name="connsiteY6" fmla="*/ 104026 h 1625939"/>
+              <a:gd name="connsiteX7" fmla="*/ 1326797 w 1326797"/>
+              <a:gd name="connsiteY7" fmla="*/ 41396 h 1625939"/>
+              <a:gd name="connsiteX0" fmla="*/ 30353 w 1269883"/>
+              <a:gd name="connsiteY0" fmla="*/ 1608167 h 1608167"/>
+              <a:gd name="connsiteX1" fmla="*/ 55406 w 1269883"/>
+              <a:gd name="connsiteY1" fmla="*/ 1100863 h 1608167"/>
+              <a:gd name="connsiteX2" fmla="*/ 537658 w 1269883"/>
+              <a:gd name="connsiteY2" fmla="*/ 1113389 h 1608167"/>
+              <a:gd name="connsiteX3" fmla="*/ 525132 w 1269883"/>
+              <a:gd name="connsiteY3" fmla="*/ 618611 h 1608167"/>
+              <a:gd name="connsiteX4" fmla="*/ 925964 w 1269883"/>
+              <a:gd name="connsiteY4" fmla="*/ 568507 h 1608167"/>
+              <a:gd name="connsiteX5" fmla="*/ 925964 w 1269883"/>
+              <a:gd name="connsiteY5" fmla="*/ 155148 h 1608167"/>
+              <a:gd name="connsiteX6" fmla="*/ 1226589 w 1269883"/>
+              <a:gd name="connsiteY6" fmla="*/ 86254 h 1608167"/>
+              <a:gd name="connsiteX7" fmla="*/ 1269883 w 1269883"/>
+              <a:gd name="connsiteY7" fmla="*/ 45546 h 1608167"/>
+              <a:gd name="connsiteX0" fmla="*/ 30353 w 1269883"/>
+              <a:gd name="connsiteY0" fmla="*/ 1562621 h 1562621"/>
+              <a:gd name="connsiteX1" fmla="*/ 55406 w 1269883"/>
+              <a:gd name="connsiteY1" fmla="*/ 1055317 h 1562621"/>
+              <a:gd name="connsiteX2" fmla="*/ 537658 w 1269883"/>
+              <a:gd name="connsiteY2" fmla="*/ 1067843 h 1562621"/>
+              <a:gd name="connsiteX3" fmla="*/ 525132 w 1269883"/>
+              <a:gd name="connsiteY3" fmla="*/ 573065 h 1562621"/>
+              <a:gd name="connsiteX4" fmla="*/ 925964 w 1269883"/>
+              <a:gd name="connsiteY4" fmla="*/ 522961 h 1562621"/>
+              <a:gd name="connsiteX5" fmla="*/ 925964 w 1269883"/>
+              <a:gd name="connsiteY5" fmla="*/ 109602 h 1562621"/>
+              <a:gd name="connsiteX6" fmla="*/ 1226589 w 1269883"/>
+              <a:gd name="connsiteY6" fmla="*/ 40708 h 1562621"/>
+              <a:gd name="connsiteX7" fmla="*/ 1269883 w 1269883"/>
+              <a:gd name="connsiteY7" fmla="*/ 0 h 1562621"/>
+              <a:gd name="connsiteX0" fmla="*/ 30353 w 1269883"/>
+              <a:gd name="connsiteY0" fmla="*/ 1562621 h 1562621"/>
+              <a:gd name="connsiteX1" fmla="*/ 55406 w 1269883"/>
+              <a:gd name="connsiteY1" fmla="*/ 1055317 h 1562621"/>
+              <a:gd name="connsiteX2" fmla="*/ 537658 w 1269883"/>
+              <a:gd name="connsiteY2" fmla="*/ 1067843 h 1562621"/>
+              <a:gd name="connsiteX3" fmla="*/ 525132 w 1269883"/>
+              <a:gd name="connsiteY3" fmla="*/ 573065 h 1562621"/>
+              <a:gd name="connsiteX4" fmla="*/ 925964 w 1269883"/>
+              <a:gd name="connsiteY4" fmla="*/ 522961 h 1562621"/>
+              <a:gd name="connsiteX5" fmla="*/ 925964 w 1269883"/>
+              <a:gd name="connsiteY5" fmla="*/ 109602 h 1562621"/>
+              <a:gd name="connsiteX6" fmla="*/ 1157315 w 1269883"/>
+              <a:gd name="connsiteY6" fmla="*/ 121590 h 1562621"/>
+              <a:gd name="connsiteX7" fmla="*/ 1269883 w 1269883"/>
+              <a:gd name="connsiteY7" fmla="*/ 0 h 1562621"/>
+              <a:gd name="connsiteX0" fmla="*/ 30353 w 1269883"/>
+              <a:gd name="connsiteY0" fmla="*/ 1562621 h 1562621"/>
+              <a:gd name="connsiteX1" fmla="*/ 55406 w 1269883"/>
+              <a:gd name="connsiteY1" fmla="*/ 1055317 h 1562621"/>
+              <a:gd name="connsiteX2" fmla="*/ 537658 w 1269883"/>
+              <a:gd name="connsiteY2" fmla="*/ 1067843 h 1562621"/>
+              <a:gd name="connsiteX3" fmla="*/ 525132 w 1269883"/>
+              <a:gd name="connsiteY3" fmla="*/ 573065 h 1562621"/>
+              <a:gd name="connsiteX4" fmla="*/ 925964 w 1269883"/>
+              <a:gd name="connsiteY4" fmla="*/ 522961 h 1562621"/>
+              <a:gd name="connsiteX5" fmla="*/ 959026 w 1269883"/>
+              <a:gd name="connsiteY5" fmla="*/ 175775 h 1562621"/>
+              <a:gd name="connsiteX6" fmla="*/ 1157315 w 1269883"/>
+              <a:gd name="connsiteY6" fmla="*/ 121590 h 1562621"/>
+              <a:gd name="connsiteX7" fmla="*/ 1269883 w 1269883"/>
+              <a:gd name="connsiteY7" fmla="*/ 0 h 1562621"/>
+              <a:gd name="connsiteX0" fmla="*/ 2755 w 1539599"/>
+              <a:gd name="connsiteY0" fmla="*/ 1325645 h 1325645"/>
+              <a:gd name="connsiteX1" fmla="*/ 325122 w 1539599"/>
+              <a:gd name="connsiteY1" fmla="*/ 1055317 h 1325645"/>
+              <a:gd name="connsiteX2" fmla="*/ 807374 w 1539599"/>
+              <a:gd name="connsiteY2" fmla="*/ 1067843 h 1325645"/>
+              <a:gd name="connsiteX3" fmla="*/ 794848 w 1539599"/>
+              <a:gd name="connsiteY3" fmla="*/ 573065 h 1325645"/>
+              <a:gd name="connsiteX4" fmla="*/ 1195680 w 1539599"/>
+              <a:gd name="connsiteY4" fmla="*/ 522961 h 1325645"/>
+              <a:gd name="connsiteX5" fmla="*/ 1228742 w 1539599"/>
+              <a:gd name="connsiteY5" fmla="*/ 175775 h 1325645"/>
+              <a:gd name="connsiteX6" fmla="*/ 1427031 w 1539599"/>
+              <a:gd name="connsiteY6" fmla="*/ 121590 h 1325645"/>
+              <a:gd name="connsiteX7" fmla="*/ 1539599 w 1539599"/>
+              <a:gd name="connsiteY7" fmla="*/ 0 h 1325645"/>
+              <a:gd name="connsiteX0" fmla="*/ 0 w 1536844"/>
+              <a:gd name="connsiteY0" fmla="*/ 1325645 h 1325645"/>
+              <a:gd name="connsiteX1" fmla="*/ 322367 w 1536844"/>
+              <a:gd name="connsiteY1" fmla="*/ 1055317 h 1325645"/>
+              <a:gd name="connsiteX2" fmla="*/ 804619 w 1536844"/>
+              <a:gd name="connsiteY2" fmla="*/ 1067843 h 1325645"/>
+              <a:gd name="connsiteX3" fmla="*/ 792093 w 1536844"/>
+              <a:gd name="connsiteY3" fmla="*/ 573065 h 1325645"/>
+              <a:gd name="connsiteX4" fmla="*/ 1192925 w 1536844"/>
+              <a:gd name="connsiteY4" fmla="*/ 522961 h 1325645"/>
+              <a:gd name="connsiteX5" fmla="*/ 1225987 w 1536844"/>
+              <a:gd name="connsiteY5" fmla="*/ 175775 h 1325645"/>
+              <a:gd name="connsiteX6" fmla="*/ 1424276 w 1536844"/>
+              <a:gd name="connsiteY6" fmla="*/ 121590 h 1325645"/>
+              <a:gd name="connsiteX7" fmla="*/ 1536844 w 1536844"/>
+              <a:gd name="connsiteY7" fmla="*/ 0 h 1325645"/>
+              <a:gd name="connsiteX0" fmla="*/ 0 w 1536844"/>
+              <a:gd name="connsiteY0" fmla="*/ 1325645 h 1325645"/>
+              <a:gd name="connsiteX1" fmla="*/ 303024 w 1536844"/>
+              <a:gd name="connsiteY1" fmla="*/ 975092 h 1325645"/>
+              <a:gd name="connsiteX2" fmla="*/ 804619 w 1536844"/>
+              <a:gd name="connsiteY2" fmla="*/ 1067843 h 1325645"/>
+              <a:gd name="connsiteX3" fmla="*/ 792093 w 1536844"/>
+              <a:gd name="connsiteY3" fmla="*/ 573065 h 1325645"/>
+              <a:gd name="connsiteX4" fmla="*/ 1192925 w 1536844"/>
+              <a:gd name="connsiteY4" fmla="*/ 522961 h 1325645"/>
+              <a:gd name="connsiteX5" fmla="*/ 1225987 w 1536844"/>
+              <a:gd name="connsiteY5" fmla="*/ 175775 h 1325645"/>
+              <a:gd name="connsiteX6" fmla="*/ 1424276 w 1536844"/>
+              <a:gd name="connsiteY6" fmla="*/ 121590 h 1325645"/>
+              <a:gd name="connsiteX7" fmla="*/ 1536844 w 1536844"/>
+              <a:gd name="connsiteY7" fmla="*/ 0 h 1325645"/>
+              <a:gd name="connsiteX0" fmla="*/ 0 w 1536844"/>
+              <a:gd name="connsiteY0" fmla="*/ 1325645 h 1325645"/>
+              <a:gd name="connsiteX1" fmla="*/ 303024 w 1536844"/>
+              <a:gd name="connsiteY1" fmla="*/ 975092 h 1325645"/>
+              <a:gd name="connsiteX2" fmla="*/ 744982 w 1536844"/>
+              <a:gd name="connsiteY2" fmla="*/ 1033028 h 1325645"/>
+              <a:gd name="connsiteX3" fmla="*/ 792093 w 1536844"/>
+              <a:gd name="connsiteY3" fmla="*/ 573065 h 1325645"/>
+              <a:gd name="connsiteX4" fmla="*/ 1192925 w 1536844"/>
+              <a:gd name="connsiteY4" fmla="*/ 522961 h 1325645"/>
+              <a:gd name="connsiteX5" fmla="*/ 1225987 w 1536844"/>
+              <a:gd name="connsiteY5" fmla="*/ 175775 h 1325645"/>
+              <a:gd name="connsiteX6" fmla="*/ 1424276 w 1536844"/>
+              <a:gd name="connsiteY6" fmla="*/ 121590 h 1325645"/>
+              <a:gd name="connsiteX7" fmla="*/ 1536844 w 1536844"/>
+              <a:gd name="connsiteY7" fmla="*/ 0 h 1325645"/>
+            </a:gdLst>
+            <a:ahLst/>
+            <a:cxnLst>
+              <a:cxn ang="0">
+                <a:pos x="connsiteX0" y="connsiteY0"/>
+              </a:cxn>
+              <a:cxn ang="0">
+                <a:pos x="connsiteX1" y="connsiteY1"/>
+              </a:cxn>
+              <a:cxn ang="0">
+                <a:pos x="connsiteX2" y="connsiteY2"/>
+              </a:cxn>
+              <a:cxn ang="0">
+                <a:pos x="connsiteX3" y="connsiteY3"/>
+              </a:cxn>
+              <a:cxn ang="0">
+                <a:pos x="connsiteX4" y="connsiteY4"/>
+              </a:cxn>
+              <a:cxn ang="0">
+                <a:pos x="connsiteX5" y="connsiteY5"/>
+              </a:cxn>
+              <a:cxn ang="0">
+                <a:pos x="connsiteX6" y="connsiteY6"/>
+              </a:cxn>
+              <a:cxn ang="0">
+                <a:pos x="connsiteX7" y="connsiteY7"/>
+              </a:cxn>
+            </a:cxnLst>
+            <a:rect l="l" t="t" r="r" b="b"/>
+            <a:pathLst>
+              <a:path w="1536844" h="1325645">
+                <a:moveTo>
+                  <a:pt x="0" y="1325645"/>
+                </a:moveTo>
+                <a:cubicBezTo>
+                  <a:pt x="208815" y="1219400"/>
+                  <a:pt x="178860" y="1023861"/>
+                  <a:pt x="303024" y="975092"/>
+                </a:cubicBezTo>
+                <a:cubicBezTo>
+                  <a:pt x="427188" y="926323"/>
+                  <a:pt x="663471" y="1100032"/>
+                  <a:pt x="744982" y="1033028"/>
+                </a:cubicBezTo>
+                <a:cubicBezTo>
+                  <a:pt x="826493" y="966024"/>
+                  <a:pt x="717436" y="658076"/>
+                  <a:pt x="792093" y="573065"/>
+                </a:cubicBezTo>
+                <a:cubicBezTo>
+                  <a:pt x="866750" y="488054"/>
+                  <a:pt x="1120609" y="589176"/>
+                  <a:pt x="1192925" y="522961"/>
+                </a:cubicBezTo>
+                <a:cubicBezTo>
+                  <a:pt x="1265241" y="456746"/>
+                  <a:pt x="1187429" y="242670"/>
+                  <a:pt x="1225987" y="175775"/>
+                </a:cubicBezTo>
+                <a:cubicBezTo>
+                  <a:pt x="1264545" y="108880"/>
+                  <a:pt x="1357471" y="143511"/>
+                  <a:pt x="1424276" y="121590"/>
+                </a:cubicBezTo>
+                <a:cubicBezTo>
+                  <a:pt x="1491082" y="99669"/>
+                  <a:pt x="1465570" y="69281"/>
+                  <a:pt x="1536844" y="0"/>
+                </a:cubicBezTo>
+              </a:path>
+            </a:pathLst>
+          </a:custGeom>
+          <a:ln w="19050" cap="flat" cmpd="sng" algn="ctr">
+            <a:solidFill>
+              <a:schemeClr val="accent4"/>
+            </a:solidFill>
+            <a:prstDash val="dash"/>
+            <a:round/>
+            <a:headEnd type="none" w="med" len="med"/>
+            <a:tailEnd type="none" w="med" len="med"/>
+          </a:ln>
+        </p:spPr>
+        <p:style>
+          <a:lnRef idx="0">
+            <a:scrgbClr r="0" g="0" b="0"/>
+          </a:lnRef>
+          <a:fillRef idx="0">
+            <a:scrgbClr r="0" g="0" b="0"/>
+          </a:fillRef>
+          <a:effectRef idx="0">
+            <a:scrgbClr r="0" g="0" b="0"/>
+          </a:effectRef>
+          <a:fontRef idx="minor">
+            <a:schemeClr val="tx1"/>
+          </a:fontRef>
+        </p:style>
+        <p:txBody>
+          <a:bodyPr rtlCol="0" anchor="ctr"/>
+          <a:lstStyle/>
+          <a:p>
+            <a:pPr algn="ctr"/>
+            <a:endParaRPr lang="en-US"/>
+          </a:p>
+        </p:txBody>
+      </p:sp>
+      <p:sp>
+        <p:nvSpPr>
+          <p:cNvPr id="8" name="Rectangle 7">
+            <a:extLst>
+              <a:ext uri="{FF2B5EF4-FFF2-40B4-BE49-F238E27FC236}">
+                <a16:creationId xmlns:a16="http://schemas.microsoft.com/office/drawing/2014/main" id="{785CFC03-8D64-534A-6C1B-BB732E470D5E}"/>
+              </a:ext>
+            </a:extLst>
+          </p:cNvPr>
+          <p:cNvSpPr/>
+          <p:nvPr/>
+        </p:nvSpPr>
+        <p:spPr>
+          <a:xfrm>
+            <a:off x="1219200" y="660400"/>
+            <a:ext cx="1322035" cy="1422400"/>
+          </a:xfrm>
+          <a:prstGeom prst="rect">
             <a:avLst/>
           </a:prstGeom>
           <a:solidFill>
-            <a:schemeClr val="bg2">
-              <a:lumMod val="75000"/>
-            </a:schemeClr>
+            <a:schemeClr val="bg1"/>
           </a:solidFill>
           <a:ln>
             <a:noFill/>
@@ -19500,50 +20272,10 @@
           <a:lstStyle/>
           <a:p>
             <a:pPr algn="ctr"/>
-            <a:endParaRPr lang="en-US" dirty="0"/>
+            <a:endParaRPr lang="en-US"/>
           </a:p>
         </p:txBody>
       </p:sp>
-      <p:cxnSp>
-        <p:nvCxnSpPr>
-          <p:cNvPr id="6" name="Straight Arrow Connector 5">
-            <a:extLst>
-              <a:ext uri="{FF2B5EF4-FFF2-40B4-BE49-F238E27FC236}">
-                <a16:creationId xmlns:a16="http://schemas.microsoft.com/office/drawing/2014/main" id="{E009435E-A17C-65D8-5D1C-5FA6C723691A}"/>
-              </a:ext>
-            </a:extLst>
-          </p:cNvPr>
-          <p:cNvCxnSpPr/>
-          <p:nvPr/>
-        </p:nvCxnSpPr>
-        <p:spPr>
-          <a:xfrm>
-            <a:off x="2324100" y="1397000"/>
-            <a:ext cx="0" cy="927100"/>
-          </a:xfrm>
-          <a:prstGeom prst="straightConnector1">
-            <a:avLst/>
-          </a:prstGeom>
-          <a:ln>
-            <a:headEnd type="triangle"/>
-            <a:tailEnd type="triangle"/>
-          </a:ln>
-        </p:spPr>
-        <p:style>
-          <a:lnRef idx="2">
-            <a:schemeClr val="accent1"/>
-          </a:lnRef>
-          <a:fillRef idx="0">
-            <a:schemeClr val="accent1"/>
-          </a:fillRef>
-          <a:effectRef idx="1">
-            <a:schemeClr val="accent1"/>
-          </a:effectRef>
-          <a:fontRef idx="minor">
-            <a:schemeClr val="tx1"/>
-          </a:fontRef>
-        </p:style>
-      </p:cxnSp>
     </p:spTree>
     <p:extLst>
       <p:ext uri="{BB962C8B-B14F-4D97-AF65-F5344CB8AC3E}">
